--- a/(1024)宏英分析記錄.pptx
+++ b/(1024)宏英分析記錄.pptx
@@ -5,10 +5,10 @@
     <p:sldMasterId id="2147483648" r:id="rId1"/>
   </p:sldMasterIdLst>
   <p:notesMasterIdLst>
-    <p:notesMasterId r:id="rId9"/>
+    <p:notesMasterId r:id="rId11"/>
   </p:notesMasterIdLst>
   <p:handoutMasterIdLst>
-    <p:handoutMasterId r:id="rId10"/>
+    <p:handoutMasterId r:id="rId12"/>
   </p:handoutMasterIdLst>
   <p:sldIdLst>
     <p:sldId id="288" r:id="rId2"/>
@@ -18,6 +18,8 @@
     <p:sldId id="320" r:id="rId6"/>
     <p:sldId id="322" r:id="rId7"/>
     <p:sldId id="323" r:id="rId8"/>
+    <p:sldId id="324" r:id="rId9"/>
+    <p:sldId id="325" r:id="rId10"/>
   </p:sldIdLst>
   <p:sldSz cx="9906000" cy="6858000" type="A4"/>
   <p:notesSz cx="6807200" cy="9939338"/>
@@ -126,8 +128,18 @@
             <p14:sldId id="318"/>
             <p14:sldId id="319"/>
             <p14:sldId id="320"/>
+          </p14:sldIdLst>
+        </p14:section>
+        <p14:section name="1024" id="{FBEE61E3-F1C5-48DC-BF62-FD95189F2FA2}">
+          <p14:sldIdLst>
             <p14:sldId id="322"/>
             <p14:sldId id="323"/>
+          </p14:sldIdLst>
+        </p14:section>
+        <p14:section name="1026" id="{39E0F6C8-B0BE-4AB0-B249-A31058D8E2E7}">
+          <p14:sldIdLst>
+            <p14:sldId id="324"/>
+            <p14:sldId id="325"/>
           </p14:sldIdLst>
         </p14:section>
       </p14:sectionLst>
@@ -232,7 +244,7 @@
           <a:p>
             <a:fld id="{05BF5AB9-3463-4E65-AFD3-5431B79ADFDC}" type="datetimeFigureOut">
               <a:rPr lang="zh-TW" altLang="en-US" smtClean="0"/>
-              <a:t>2022/10/24</a:t>
+              <a:t>2022/10/25</a:t>
             </a:fld>
             <a:endParaRPr lang="zh-TW" altLang="en-US"/>
           </a:p>
@@ -392,7 +404,7 @@
           <a:p>
             <a:fld id="{838FF680-7B6B-4655-B6A1-33A8AD0AE8B4}" type="datetimeFigureOut">
               <a:rPr lang="zh-TW" altLang="en-US" smtClean="0"/>
-              <a:t>2022/10/24</a:t>
+              <a:t>2022/10/25</a:t>
             </a:fld>
             <a:endParaRPr lang="zh-TW" altLang="en-US"/>
           </a:p>
@@ -4891,13 +4903,6 @@
               </a:rPr>
               <a:t>溫控器溫度趨勢圖</a:t>
             </a:r>
-            <a:endParaRPr lang="zh-TW" altLang="en-US" b="1" u="sng" dirty="0" smtClean="0">
-              <a:solidFill>
-                <a:schemeClr val="tx1">
-                  <a:lumMod val="75000"/>
-                </a:schemeClr>
-              </a:solidFill>
-            </a:endParaRPr>
           </a:p>
         </p:txBody>
       </p:sp>
@@ -5038,13 +5043,6 @@
               </a:rPr>
               <a:t>左右，後者數據較符合實際生產情況</a:t>
             </a:r>
-            <a:endParaRPr lang="zh-TW" altLang="en-US" b="1" dirty="0" smtClean="0">
-              <a:solidFill>
-                <a:schemeClr val="tx1">
-                  <a:lumMod val="75000"/>
-                </a:schemeClr>
-              </a:solidFill>
-            </a:endParaRPr>
           </a:p>
         </p:txBody>
       </p:sp>
@@ -5172,6 +5170,13 @@
   <p:clrMapOvr>
     <a:masterClrMapping/>
   </p:clrMapOvr>
+  <p:timing>
+    <p:tnLst>
+      <p:par>
+        <p:cTn id="1" dur="indefinite" restart="never" nodeType="tmRoot"/>
+      </p:par>
+    </p:tnLst>
+  </p:timing>
 </p:sld>
 </file>
 
@@ -5554,13 +5559,6 @@
               </a:rPr>
               <a:t>來說，後者波動較前者小，後者數據較符合實際生產情況</a:t>
             </a:r>
-            <a:endParaRPr lang="zh-TW" altLang="en-US" b="1" dirty="0" smtClean="0">
-              <a:solidFill>
-                <a:schemeClr val="tx1">
-                  <a:lumMod val="75000"/>
-                </a:schemeClr>
-              </a:solidFill>
-            </a:endParaRPr>
           </a:p>
         </p:txBody>
       </p:sp>
@@ -5691,13 +5689,6 @@
               </a:rPr>
               <a:t>更小，除有較為異常的瞬間凸波，後者數據較符合實際生產情況</a:t>
             </a:r>
-            <a:endParaRPr lang="zh-TW" altLang="en-US" b="1" dirty="0" smtClean="0">
-              <a:solidFill>
-                <a:schemeClr val="tx1">
-                  <a:lumMod val="75000"/>
-                </a:schemeClr>
-              </a:solidFill>
-            </a:endParaRPr>
           </a:p>
         </p:txBody>
       </p:sp>
@@ -5733,13 +5724,6 @@
               </a:rPr>
               <a:t>電流趨勢圖</a:t>
             </a:r>
-            <a:endParaRPr lang="zh-TW" altLang="en-US" b="1" u="sng" dirty="0" smtClean="0">
-              <a:solidFill>
-                <a:schemeClr val="tx1">
-                  <a:lumMod val="75000"/>
-                </a:schemeClr>
-              </a:solidFill>
-            </a:endParaRPr>
           </a:p>
         </p:txBody>
       </p:sp>
@@ -5795,13 +5779,6 @@
               </a:rPr>
               <a:t>趨勢圖</a:t>
             </a:r>
-            <a:endParaRPr lang="zh-TW" altLang="en-US" b="1" u="sng" dirty="0" smtClean="0">
-              <a:solidFill>
-                <a:schemeClr val="tx1">
-                  <a:lumMod val="75000"/>
-                </a:schemeClr>
-              </a:solidFill>
-            </a:endParaRPr>
           </a:p>
         </p:txBody>
       </p:sp>
@@ -5851,6 +5828,13 @@
   <p:clrMapOvr>
     <a:masterClrMapping/>
   </p:clrMapOvr>
+  <p:timing>
+    <p:tnLst>
+      <p:par>
+        <p:cTn id="1" dur="indefinite" restart="never" nodeType="tmRoot"/>
+      </p:par>
+    </p:tnLst>
+  </p:timing>
 </p:sld>
 </file>
 
@@ -6017,25 +6001,8 @@
                   </a:schemeClr>
                 </a:solidFill>
               </a:rPr>
-              <a:t>出料寬度</a:t>
-            </a:r>
-            <a:r>
-              <a:rPr lang="zh-TW" altLang="en-US" b="1" u="sng" dirty="0" smtClean="0">
-                <a:solidFill>
-                  <a:schemeClr val="tx1">
-                    <a:lumMod val="75000"/>
-                  </a:schemeClr>
-                </a:solidFill>
-              </a:rPr>
-              <a:t>趨勢圖</a:t>
-            </a:r>
-            <a:endParaRPr lang="zh-TW" altLang="en-US" b="1" u="sng" dirty="0" smtClean="0">
-              <a:solidFill>
-                <a:schemeClr val="tx1">
-                  <a:lumMod val="75000"/>
-                </a:schemeClr>
-              </a:solidFill>
-            </a:endParaRPr>
+              <a:t>出料寬度趨勢圖</a:t>
+            </a:r>
           </a:p>
         </p:txBody>
       </p:sp>
@@ -6196,13 +6163,6 @@
               </a:rPr>
               <a:t>之間，較符合實際生產情況</a:t>
             </a:r>
-            <a:endParaRPr lang="zh-TW" altLang="en-US" b="1" dirty="0" smtClean="0">
-              <a:solidFill>
-                <a:schemeClr val="tx1">
-                  <a:lumMod val="75000"/>
-                </a:schemeClr>
-              </a:solidFill>
-            </a:endParaRPr>
           </a:p>
         </p:txBody>
       </p:sp>
@@ -7030,7 +6990,7 @@
         </p:nvSpPr>
         <p:spPr>
           <a:xfrm>
-            <a:off x="10209584" y="3356992"/>
+            <a:off x="10055257" y="3356992"/>
             <a:ext cx="3845925" cy="923330"/>
           </a:xfrm>
           <a:prstGeom prst="rect">
@@ -7377,23 +7337,7 @@
                   <a:schemeClr val="tx1"/>
                 </a:solidFill>
               </a:rPr>
-              <a:t>(</a:t>
-            </a:r>
-            <a:r>
-              <a:rPr lang="en-US" altLang="zh-TW" b="1" dirty="0" smtClean="0">
-                <a:solidFill>
-                  <a:schemeClr val="tx1"/>
-                </a:solidFill>
-              </a:rPr>
-              <a:t>15.4</a:t>
-            </a:r>
-            <a:r>
-              <a:rPr lang="en-US" altLang="zh-TW" b="1" dirty="0" smtClean="0">
-                <a:solidFill>
-                  <a:schemeClr val="tx1"/>
-                </a:solidFill>
-              </a:rPr>
-              <a:t>%)</a:t>
+              <a:t>(15.4%)</a:t>
             </a:r>
             <a:endParaRPr lang="zh-TW" altLang="en-US" b="1" dirty="0">
               <a:solidFill>
@@ -7431,6 +7375,1244 @@
     <p:extLst>
       <p:ext uri="{BB962C8B-B14F-4D97-AF65-F5344CB8AC3E}">
         <p14:creationId xmlns:p14="http://schemas.microsoft.com/office/powerpoint/2010/main" val="2425094619"/>
+      </p:ext>
+    </p:extLst>
+  </p:cSld>
+  <p:clrMapOvr>
+    <a:masterClrMapping/>
+  </p:clrMapOvr>
+</p:sld>
+</file>
+
+<file path=ppt/slides/slide8.xml><?xml version="1.0" encoding="utf-8"?>
+<p:sld xmlns:a="http://schemas.openxmlformats.org/drawingml/2006/main" xmlns:r="http://schemas.openxmlformats.org/officeDocument/2006/relationships" xmlns:p="http://schemas.openxmlformats.org/presentationml/2006/main">
+  <p:cSld>
+    <p:spTree>
+      <p:nvGrpSpPr>
+        <p:cNvPr id="1" name=""/>
+        <p:cNvGrpSpPr/>
+        <p:nvPr/>
+      </p:nvGrpSpPr>
+      <p:grpSpPr>
+        <a:xfrm>
+          <a:off x="0" y="0"/>
+          <a:ext cx="0" cy="0"/>
+          <a:chOff x="0" y="0"/>
+          <a:chExt cx="0" cy="0"/>
+        </a:xfrm>
+      </p:grpSpPr>
+      <p:sp>
+        <p:nvSpPr>
+          <p:cNvPr id="2" name="投影片編號版面配置區 1"/>
+          <p:cNvSpPr>
+            <a:spLocks noGrp="1"/>
+          </p:cNvSpPr>
+          <p:nvPr>
+            <p:ph type="sldNum" sz="quarter" idx="12"/>
+          </p:nvPr>
+        </p:nvSpPr>
+        <p:spPr/>
+        <p:txBody>
+          <a:bodyPr/>
+          <a:lstStyle/>
+          <a:p>
+            <a:fld id="{E28562E0-AE09-4D11-92BC-5850C0B2AD0D}" type="slidenum">
+              <a:rPr lang="zh-TW" altLang="en-US" smtClean="0"/>
+              <a:t>7</a:t>
+            </a:fld>
+            <a:endParaRPr lang="zh-TW" altLang="en-US"/>
+          </a:p>
+        </p:txBody>
+      </p:sp>
+      <p:sp>
+        <p:nvSpPr>
+          <p:cNvPr id="12" name="標題 11"/>
+          <p:cNvSpPr>
+            <a:spLocks noGrp="1"/>
+          </p:cNvSpPr>
+          <p:nvPr>
+            <p:ph type="title"/>
+          </p:nvPr>
+        </p:nvSpPr>
+        <p:spPr/>
+        <p:txBody>
+          <a:bodyPr/>
+          <a:lstStyle/>
+          <a:p>
+            <a:r>
+              <a:rPr lang="zh-TW" altLang="en-US" dirty="0"/>
+              <a:t>模型衡量指標</a:t>
+            </a:r>
+          </a:p>
+        </p:txBody>
+      </p:sp>
+      <p:graphicFrame>
+        <p:nvGraphicFramePr>
+          <p:cNvPr id="13" name="表格 12"/>
+          <p:cNvGraphicFramePr>
+            <a:graphicFrameLocks noGrp="1"/>
+          </p:cNvGraphicFramePr>
+          <p:nvPr>
+            <p:extLst/>
+          </p:nvPr>
+        </p:nvGraphicFramePr>
+        <p:xfrm>
+          <a:off x="5247566" y="1208839"/>
+          <a:ext cx="4497834" cy="1112520"/>
+        </p:xfrm>
+        <a:graphic>
+          <a:graphicData uri="http://schemas.openxmlformats.org/drawingml/2006/table">
+            <a:tbl>
+              <a:tblPr firstRow="1" bandRow="1">
+                <a:tableStyleId>{BC89EF96-8CEA-46FF-86C4-4CE0E7609802}</a:tableStyleId>
+              </a:tblPr>
+              <a:tblGrid>
+                <a:gridCol w="1499278">
+                  <a:extLst>
+                    <a:ext uri="{9D8B030D-6E8A-4147-A177-3AD203B41FA5}">
+                      <a16:colId xmlns:a16="http://schemas.microsoft.com/office/drawing/2014/main" val="2498478692"/>
+                    </a:ext>
+                  </a:extLst>
+                </a:gridCol>
+                <a:gridCol w="1499278">
+                  <a:extLst>
+                    <a:ext uri="{9D8B030D-6E8A-4147-A177-3AD203B41FA5}">
+                      <a16:colId xmlns:a16="http://schemas.microsoft.com/office/drawing/2014/main" val="2542679919"/>
+                    </a:ext>
+                  </a:extLst>
+                </a:gridCol>
+                <a:gridCol w="1499278">
+                  <a:extLst>
+                    <a:ext uri="{9D8B030D-6E8A-4147-A177-3AD203B41FA5}">
+                      <a16:colId xmlns:a16="http://schemas.microsoft.com/office/drawing/2014/main" val="3948814459"/>
+                    </a:ext>
+                  </a:extLst>
+                </a:gridCol>
+              </a:tblGrid>
+              <a:tr h="370840">
+                <a:tc>
+                  <a:txBody>
+                    <a:bodyPr/>
+                    <a:lstStyle/>
+                    <a:p>
+                      <a:pPr algn="ctr"/>
+                      <a:r>
+                        <a:rPr lang="zh-TW" altLang="en-US" dirty="0" smtClean="0"/>
+                        <a:t>編號</a:t>
+                      </a:r>
+                      <a:endParaRPr lang="zh-TW" altLang="en-US" dirty="0"/>
+                    </a:p>
+                  </a:txBody>
+                  <a:tcPr/>
+                </a:tc>
+                <a:tc>
+                  <a:txBody>
+                    <a:bodyPr/>
+                    <a:lstStyle/>
+                    <a:p>
+                      <a:pPr algn="ctr"/>
+                      <a:r>
+                        <a:rPr lang="zh-TW" altLang="en-US" dirty="0" smtClean="0"/>
+                        <a:t>品質分類</a:t>
+                      </a:r>
+                      <a:endParaRPr lang="zh-TW" altLang="en-US" dirty="0"/>
+                    </a:p>
+                  </a:txBody>
+                  <a:tcPr/>
+                </a:tc>
+                <a:tc>
+                  <a:txBody>
+                    <a:bodyPr/>
+                    <a:lstStyle/>
+                    <a:p>
+                      <a:pPr algn="ctr"/>
+                      <a:r>
+                        <a:rPr lang="zh-TW" altLang="en-US" dirty="0" smtClean="0"/>
+                        <a:t>資料量</a:t>
+                      </a:r>
+                      <a:r>
+                        <a:rPr lang="en-US" altLang="zh-TW" dirty="0" smtClean="0"/>
+                        <a:t>(</a:t>
+                      </a:r>
+                      <a:r>
+                        <a:rPr lang="zh-TW" altLang="en-US" dirty="0" smtClean="0"/>
+                        <a:t>組</a:t>
+                      </a:r>
+                      <a:r>
+                        <a:rPr lang="en-US" altLang="zh-TW" dirty="0" smtClean="0"/>
+                        <a:t>)</a:t>
+                      </a:r>
+                      <a:endParaRPr lang="zh-TW" altLang="en-US" dirty="0"/>
+                    </a:p>
+                  </a:txBody>
+                  <a:tcPr/>
+                </a:tc>
+                <a:extLst>
+                  <a:ext uri="{0D108BD9-81ED-4DB2-BD59-A6C34878D82A}">
+                    <a16:rowId xmlns:a16="http://schemas.microsoft.com/office/drawing/2014/main" val="656301263"/>
+                  </a:ext>
+                </a:extLst>
+              </a:tr>
+              <a:tr h="370840">
+                <a:tc>
+                  <a:txBody>
+                    <a:bodyPr/>
+                    <a:lstStyle/>
+                    <a:p>
+                      <a:pPr algn="ctr"/>
+                      <a:r>
+                        <a:rPr lang="en-US" altLang="zh-TW" dirty="0" smtClean="0"/>
+                        <a:t>0</a:t>
+                      </a:r>
+                      <a:endParaRPr lang="zh-TW" altLang="en-US" dirty="0"/>
+                    </a:p>
+                  </a:txBody>
+                  <a:tcPr/>
+                </a:tc>
+                <a:tc>
+                  <a:txBody>
+                    <a:bodyPr/>
+                    <a:lstStyle/>
+                    <a:p>
+                      <a:pPr algn="ctr"/>
+                      <a:r>
+                        <a:rPr lang="zh-TW" altLang="en-US" dirty="0" smtClean="0"/>
+                        <a:t>正常</a:t>
+                      </a:r>
+                      <a:endParaRPr lang="zh-TW" altLang="en-US" dirty="0"/>
+                    </a:p>
+                  </a:txBody>
+                  <a:tcPr/>
+                </a:tc>
+                <a:tc>
+                  <a:txBody>
+                    <a:bodyPr/>
+                    <a:lstStyle/>
+                    <a:p>
+                      <a:pPr algn="ctr"/>
+                      <a:r>
+                        <a:rPr lang="en-US" altLang="zh-TW" dirty="0" smtClean="0"/>
+                        <a:t>243569</a:t>
+                      </a:r>
+                      <a:endParaRPr lang="zh-TW" altLang="en-US" dirty="0"/>
+                    </a:p>
+                  </a:txBody>
+                  <a:tcPr/>
+                </a:tc>
+                <a:extLst>
+                  <a:ext uri="{0D108BD9-81ED-4DB2-BD59-A6C34878D82A}">
+                    <a16:rowId xmlns:a16="http://schemas.microsoft.com/office/drawing/2014/main" val="1218919667"/>
+                  </a:ext>
+                </a:extLst>
+              </a:tr>
+              <a:tr h="370840">
+                <a:tc>
+                  <a:txBody>
+                    <a:bodyPr/>
+                    <a:lstStyle/>
+                    <a:p>
+                      <a:pPr algn="ctr"/>
+                      <a:r>
+                        <a:rPr lang="en-US" altLang="zh-TW" dirty="0" smtClean="0"/>
+                        <a:t>1</a:t>
+                      </a:r>
+                      <a:endParaRPr lang="zh-TW" altLang="en-US" dirty="0"/>
+                    </a:p>
+                  </a:txBody>
+                  <a:tcPr/>
+                </a:tc>
+                <a:tc>
+                  <a:txBody>
+                    <a:bodyPr/>
+                    <a:lstStyle/>
+                    <a:p>
+                      <a:pPr algn="ctr"/>
+                      <a:r>
+                        <a:rPr lang="zh-TW" altLang="en-US" dirty="0" smtClean="0"/>
+                        <a:t>異常</a:t>
+                      </a:r>
+                      <a:endParaRPr lang="zh-TW" altLang="en-US" dirty="0"/>
+                    </a:p>
+                  </a:txBody>
+                  <a:tcPr/>
+                </a:tc>
+                <a:tc>
+                  <a:txBody>
+                    <a:bodyPr/>
+                    <a:lstStyle/>
+                    <a:p>
+                      <a:pPr algn="ctr"/>
+                      <a:r>
+                        <a:rPr lang="en-US" altLang="zh-TW" dirty="0" smtClean="0"/>
+                        <a:t>98002</a:t>
+                      </a:r>
+                      <a:endParaRPr lang="zh-TW" altLang="en-US" dirty="0"/>
+                    </a:p>
+                  </a:txBody>
+                  <a:tcPr/>
+                </a:tc>
+                <a:extLst>
+                  <a:ext uri="{0D108BD9-81ED-4DB2-BD59-A6C34878D82A}">
+                    <a16:rowId xmlns:a16="http://schemas.microsoft.com/office/drawing/2014/main" val="3212942809"/>
+                  </a:ext>
+                </a:extLst>
+              </a:tr>
+            </a:tbl>
+          </a:graphicData>
+        </a:graphic>
+      </p:graphicFrame>
+      <p:graphicFrame>
+        <p:nvGraphicFramePr>
+          <p:cNvPr id="14" name="表格 13"/>
+          <p:cNvGraphicFramePr>
+            <a:graphicFrameLocks noGrp="1"/>
+          </p:cNvGraphicFramePr>
+          <p:nvPr>
+            <p:extLst/>
+          </p:nvPr>
+        </p:nvGraphicFramePr>
+        <p:xfrm>
+          <a:off x="575976" y="1224628"/>
+          <a:ext cx="4392488" cy="1483360"/>
+        </p:xfrm>
+        <a:graphic>
+          <a:graphicData uri="http://schemas.openxmlformats.org/drawingml/2006/table">
+            <a:tbl>
+              <a:tblPr firstRow="1" bandRow="1">
+                <a:tableStyleId>{BC89EF96-8CEA-46FF-86C4-4CE0E7609802}</a:tableStyleId>
+              </a:tblPr>
+              <a:tblGrid>
+                <a:gridCol w="2196244">
+                  <a:extLst>
+                    <a:ext uri="{9D8B030D-6E8A-4147-A177-3AD203B41FA5}">
+                      <a16:colId xmlns:a16="http://schemas.microsoft.com/office/drawing/2014/main" val="2498478692"/>
+                    </a:ext>
+                  </a:extLst>
+                </a:gridCol>
+                <a:gridCol w="2196244">
+                  <a:extLst>
+                    <a:ext uri="{9D8B030D-6E8A-4147-A177-3AD203B41FA5}">
+                      <a16:colId xmlns:a16="http://schemas.microsoft.com/office/drawing/2014/main" val="3948814459"/>
+                    </a:ext>
+                  </a:extLst>
+                </a:gridCol>
+              </a:tblGrid>
+              <a:tr h="370840">
+                <a:tc>
+                  <a:txBody>
+                    <a:bodyPr/>
+                    <a:lstStyle/>
+                    <a:p>
+                      <a:pPr algn="ctr"/>
+                      <a:r>
+                        <a:rPr lang="zh-TW" altLang="en-US" dirty="0" smtClean="0"/>
+                        <a:t>資料類型</a:t>
+                      </a:r>
+                      <a:endParaRPr lang="zh-TW" altLang="en-US" dirty="0"/>
+                    </a:p>
+                  </a:txBody>
+                  <a:tcPr/>
+                </a:tc>
+                <a:tc>
+                  <a:txBody>
+                    <a:bodyPr/>
+                    <a:lstStyle/>
+                    <a:p>
+                      <a:pPr algn="ctr"/>
+                      <a:r>
+                        <a:rPr lang="zh-TW" altLang="en-US" dirty="0" smtClean="0"/>
+                        <a:t>資料量</a:t>
+                      </a:r>
+                      <a:r>
+                        <a:rPr lang="en-US" altLang="zh-TW" dirty="0" smtClean="0"/>
+                        <a:t>(</a:t>
+                      </a:r>
+                      <a:r>
+                        <a:rPr lang="zh-TW" altLang="en-US" dirty="0" smtClean="0"/>
+                        <a:t>組</a:t>
+                      </a:r>
+                      <a:r>
+                        <a:rPr lang="en-US" altLang="zh-TW" dirty="0" smtClean="0"/>
+                        <a:t>)</a:t>
+                      </a:r>
+                      <a:endParaRPr lang="zh-TW" altLang="en-US" dirty="0"/>
+                    </a:p>
+                  </a:txBody>
+                  <a:tcPr/>
+                </a:tc>
+                <a:extLst>
+                  <a:ext uri="{0D108BD9-81ED-4DB2-BD59-A6C34878D82A}">
+                    <a16:rowId xmlns:a16="http://schemas.microsoft.com/office/drawing/2014/main" val="656301263"/>
+                  </a:ext>
+                </a:extLst>
+              </a:tr>
+              <a:tr h="370840">
+                <a:tc>
+                  <a:txBody>
+                    <a:bodyPr/>
+                    <a:lstStyle/>
+                    <a:p>
+                      <a:pPr algn="ctr"/>
+                      <a:r>
+                        <a:rPr lang="zh-TW" altLang="en-US" dirty="0" smtClean="0"/>
+                        <a:t>訓練集</a:t>
+                      </a:r>
+                      <a:endParaRPr lang="zh-TW" altLang="en-US" dirty="0"/>
+                    </a:p>
+                  </a:txBody>
+                  <a:tcPr/>
+                </a:tc>
+                <a:tc>
+                  <a:txBody>
+                    <a:bodyPr/>
+                    <a:lstStyle/>
+                    <a:p>
+                      <a:pPr algn="ctr"/>
+                      <a:r>
+                        <a:rPr lang="en-US" altLang="zh-TW" dirty="0" smtClean="0"/>
+                        <a:t>273256</a:t>
+                      </a:r>
+                      <a:endParaRPr lang="zh-TW" altLang="en-US" dirty="0"/>
+                    </a:p>
+                  </a:txBody>
+                  <a:tcPr/>
+                </a:tc>
+                <a:extLst>
+                  <a:ext uri="{0D108BD9-81ED-4DB2-BD59-A6C34878D82A}">
+                    <a16:rowId xmlns:a16="http://schemas.microsoft.com/office/drawing/2014/main" val="1218919667"/>
+                  </a:ext>
+                </a:extLst>
+              </a:tr>
+              <a:tr h="370840">
+                <a:tc>
+                  <a:txBody>
+                    <a:bodyPr/>
+                    <a:lstStyle/>
+                    <a:p>
+                      <a:pPr algn="ctr"/>
+                      <a:r>
+                        <a:rPr lang="zh-TW" altLang="en-US" dirty="0" smtClean="0"/>
+                        <a:t>測試集</a:t>
+                      </a:r>
+                      <a:endParaRPr lang="zh-TW" altLang="en-US" dirty="0"/>
+                    </a:p>
+                  </a:txBody>
+                  <a:tcPr/>
+                </a:tc>
+                <a:tc>
+                  <a:txBody>
+                    <a:bodyPr/>
+                    <a:lstStyle/>
+                    <a:p>
+                      <a:pPr algn="ctr"/>
+                      <a:r>
+                        <a:rPr lang="en-US" altLang="zh-TW" dirty="0" smtClean="0"/>
+                        <a:t>68315</a:t>
+                      </a:r>
+                      <a:endParaRPr lang="zh-TW" altLang="en-US" dirty="0"/>
+                    </a:p>
+                  </a:txBody>
+                  <a:tcPr/>
+                </a:tc>
+                <a:extLst>
+                  <a:ext uri="{0D108BD9-81ED-4DB2-BD59-A6C34878D82A}">
+                    <a16:rowId xmlns:a16="http://schemas.microsoft.com/office/drawing/2014/main" val="3212942809"/>
+                  </a:ext>
+                </a:extLst>
+              </a:tr>
+              <a:tr h="370840">
+                <a:tc>
+                  <a:txBody>
+                    <a:bodyPr/>
+                    <a:lstStyle/>
+                    <a:p>
+                      <a:pPr algn="ctr"/>
+                      <a:r>
+                        <a:rPr lang="zh-TW" altLang="en-US" dirty="0" smtClean="0"/>
+                        <a:t>總和</a:t>
+                      </a:r>
+                      <a:endParaRPr lang="zh-TW" altLang="en-US" dirty="0"/>
+                    </a:p>
+                  </a:txBody>
+                  <a:tcPr/>
+                </a:tc>
+                <a:tc>
+                  <a:txBody>
+                    <a:bodyPr/>
+                    <a:lstStyle/>
+                    <a:p>
+                      <a:pPr algn="ctr"/>
+                      <a:r>
+                        <a:rPr lang="en-US" altLang="zh-TW" dirty="0" smtClean="0"/>
+                        <a:t>341571</a:t>
+                      </a:r>
+                      <a:endParaRPr lang="zh-TW" altLang="en-US" dirty="0"/>
+                    </a:p>
+                  </a:txBody>
+                  <a:tcPr/>
+                </a:tc>
+                <a:extLst>
+                  <a:ext uri="{0D108BD9-81ED-4DB2-BD59-A6C34878D82A}">
+                    <a16:rowId xmlns:a16="http://schemas.microsoft.com/office/drawing/2014/main" val="2736287936"/>
+                  </a:ext>
+                </a:extLst>
+              </a:tr>
+            </a:tbl>
+          </a:graphicData>
+        </a:graphic>
+      </p:graphicFrame>
+      <p:sp>
+        <p:nvSpPr>
+          <p:cNvPr id="16" name="文字方塊 15"/>
+          <p:cNvSpPr txBox="1"/>
+          <p:nvPr/>
+        </p:nvSpPr>
+        <p:spPr>
+          <a:xfrm>
+            <a:off x="4399002" y="6093296"/>
+            <a:ext cx="1107996" cy="369332"/>
+          </a:xfrm>
+          <a:prstGeom prst="rect">
+            <a:avLst/>
+          </a:prstGeom>
+          <a:noFill/>
+        </p:spPr>
+        <p:txBody>
+          <a:bodyPr wrap="none" rtlCol="0">
+            <a:spAutoFit/>
+          </a:bodyPr>
+          <a:lstStyle/>
+          <a:p>
+            <a:r>
+              <a:rPr lang="zh-TW" altLang="en-US" b="1" u="sng" dirty="0" smtClean="0">
+                <a:solidFill>
+                  <a:schemeClr val="tx1">
+                    <a:lumMod val="75000"/>
+                  </a:schemeClr>
+                </a:solidFill>
+              </a:rPr>
+              <a:t>混淆矩陣</a:t>
+            </a:r>
+          </a:p>
+        </p:txBody>
+      </p:sp>
+      <p:sp>
+        <p:nvSpPr>
+          <p:cNvPr id="19" name="文字方塊 18"/>
+          <p:cNvSpPr txBox="1"/>
+          <p:nvPr/>
+        </p:nvSpPr>
+        <p:spPr>
+          <a:xfrm>
+            <a:off x="1987390" y="836712"/>
+            <a:ext cx="1569660" cy="369332"/>
+          </a:xfrm>
+          <a:prstGeom prst="rect">
+            <a:avLst/>
+          </a:prstGeom>
+          <a:noFill/>
+        </p:spPr>
+        <p:txBody>
+          <a:bodyPr wrap="none" rtlCol="0">
+            <a:spAutoFit/>
+          </a:bodyPr>
+          <a:lstStyle/>
+          <a:p>
+            <a:r>
+              <a:rPr lang="zh-TW" altLang="en-US" b="1" dirty="0" smtClean="0">
+                <a:solidFill>
+                  <a:schemeClr val="tx1">
+                    <a:lumMod val="75000"/>
+                  </a:schemeClr>
+                </a:solidFill>
+              </a:rPr>
+              <a:t>模型輸入資料</a:t>
+            </a:r>
+          </a:p>
+        </p:txBody>
+      </p:sp>
+      <p:sp>
+        <p:nvSpPr>
+          <p:cNvPr id="20" name="文字方塊 19"/>
+          <p:cNvSpPr txBox="1"/>
+          <p:nvPr/>
+        </p:nvSpPr>
+        <p:spPr>
+          <a:xfrm>
+            <a:off x="6480820" y="836712"/>
+            <a:ext cx="2031325" cy="369332"/>
+          </a:xfrm>
+          <a:prstGeom prst="rect">
+            <a:avLst/>
+          </a:prstGeom>
+          <a:noFill/>
+        </p:spPr>
+        <p:txBody>
+          <a:bodyPr wrap="none" rtlCol="0">
+            <a:spAutoFit/>
+          </a:bodyPr>
+          <a:lstStyle/>
+          <a:p>
+            <a:r>
+              <a:rPr lang="zh-TW" altLang="en-US" b="1" dirty="0" smtClean="0">
+                <a:solidFill>
+                  <a:schemeClr val="tx1">
+                    <a:lumMod val="75000"/>
+                  </a:schemeClr>
+                </a:solidFill>
+              </a:rPr>
+              <a:t>模型輸入資料標記</a:t>
+            </a:r>
+          </a:p>
+        </p:txBody>
+      </p:sp>
+      <p:sp>
+        <p:nvSpPr>
+          <p:cNvPr id="3" name="矩形 2"/>
+          <p:cNvSpPr/>
+          <p:nvPr/>
+        </p:nvSpPr>
+        <p:spPr>
+          <a:xfrm>
+            <a:off x="10024502" y="1340768"/>
+            <a:ext cx="2996333" cy="1200329"/>
+          </a:xfrm>
+          <a:prstGeom prst="rect">
+            <a:avLst/>
+          </a:prstGeom>
+        </p:spPr>
+        <p:txBody>
+          <a:bodyPr wrap="none">
+            <a:spAutoFit/>
+          </a:bodyPr>
+          <a:lstStyle/>
+          <a:p>
+            <a:r>
+              <a:rPr lang="zh-TW" altLang="en-US" dirty="0" smtClean="0"/>
+              <a:t>正常範圍：</a:t>
+            </a:r>
+            <a:r>
+              <a:rPr lang="en-US" altLang="zh-TW" dirty="0" smtClean="0"/>
+              <a:t>1.3±0.1mm</a:t>
+            </a:r>
+          </a:p>
+          <a:p>
+            <a:r>
+              <a:rPr lang="zh-TW" altLang="en-US" dirty="0" smtClean="0"/>
+              <a:t>抓取資料範圍：</a:t>
+            </a:r>
+            <a:r>
+              <a:rPr lang="en-US" altLang="zh-TW" dirty="0" smtClean="0"/>
+              <a:t>1.3±0.3mm</a:t>
+            </a:r>
+          </a:p>
+          <a:p>
+            <a:r>
+              <a:rPr lang="zh-TW" altLang="en-US" dirty="0" smtClean="0"/>
+              <a:t>訓練</a:t>
+            </a:r>
+            <a:r>
+              <a:rPr lang="en-US" altLang="zh-TW" dirty="0" smtClean="0"/>
+              <a:t>/</a:t>
+            </a:r>
+            <a:r>
+              <a:rPr lang="zh-TW" altLang="en-US" dirty="0" smtClean="0"/>
+              <a:t>測試集比：</a:t>
+            </a:r>
+            <a:r>
+              <a:rPr lang="en-US" altLang="zh-TW" dirty="0" smtClean="0"/>
+              <a:t>80:20</a:t>
+            </a:r>
+          </a:p>
+          <a:p>
+            <a:r>
+              <a:rPr lang="zh-TW" altLang="en-US" dirty="0" smtClean="0"/>
+              <a:t>正常</a:t>
+            </a:r>
+            <a:r>
+              <a:rPr lang="en-US" altLang="zh-TW" dirty="0" smtClean="0"/>
+              <a:t>/</a:t>
+            </a:r>
+            <a:r>
+              <a:rPr lang="zh-TW" altLang="en-US" dirty="0" smtClean="0"/>
+              <a:t>異常比：</a:t>
+            </a:r>
+            <a:r>
+              <a:rPr lang="en-US" altLang="zh-TW" dirty="0" smtClean="0"/>
+              <a:t>72:28</a:t>
+            </a:r>
+            <a:endParaRPr lang="zh-TW" altLang="en-US" dirty="0"/>
+          </a:p>
+        </p:txBody>
+      </p:sp>
+      <p:sp>
+        <p:nvSpPr>
+          <p:cNvPr id="4" name="矩形 3"/>
+          <p:cNvSpPr/>
+          <p:nvPr/>
+        </p:nvSpPr>
+        <p:spPr>
+          <a:xfrm>
+            <a:off x="10055257" y="3356992"/>
+            <a:ext cx="3845925" cy="923330"/>
+          </a:xfrm>
+          <a:prstGeom prst="rect">
+            <a:avLst/>
+          </a:prstGeom>
+        </p:spPr>
+        <p:txBody>
+          <a:bodyPr wrap="none">
+            <a:spAutoFit/>
+          </a:bodyPr>
+          <a:lstStyle/>
+          <a:p>
+            <a:r>
+              <a:rPr lang="en-US" altLang="zh-TW" dirty="0" err="1" smtClean="0"/>
+              <a:t>Upsample</a:t>
+            </a:r>
+            <a:endParaRPr lang="en-US" altLang="zh-TW" dirty="0"/>
+          </a:p>
+          <a:p>
+            <a:r>
+              <a:rPr lang="zh-TW" altLang="en-US" dirty="0" smtClean="0"/>
+              <a:t>訓練集正常：</a:t>
+            </a:r>
+            <a:r>
+              <a:rPr lang="en-US" altLang="zh-TW" dirty="0" smtClean="0"/>
+              <a:t>273256</a:t>
+            </a:r>
+            <a:r>
+              <a:rPr lang="zh-TW" altLang="en-US" dirty="0" smtClean="0"/>
+              <a:t>*</a:t>
+            </a:r>
+            <a:r>
+              <a:rPr lang="en-US" altLang="zh-TW" dirty="0" smtClean="0"/>
+              <a:t>0.72=</a:t>
+            </a:r>
+            <a:r>
+              <a:rPr lang="zh-TW" altLang="en-US" dirty="0"/>
+              <a:t> </a:t>
+            </a:r>
+            <a:r>
+              <a:rPr lang="zh-TW" altLang="en-US" dirty="0" smtClean="0"/>
+              <a:t>194855</a:t>
+            </a:r>
+            <a:endParaRPr lang="en-US" altLang="zh-TW" dirty="0" smtClean="0"/>
+          </a:p>
+          <a:p>
+            <a:r>
+              <a:rPr lang="en-US" altLang="zh-TW" dirty="0" smtClean="0"/>
+              <a:t>0.72=273256</a:t>
+            </a:r>
+            <a:r>
+              <a:rPr lang="zh-TW" altLang="en-US" dirty="0" smtClean="0"/>
+              <a:t>*</a:t>
+            </a:r>
+            <a:r>
+              <a:rPr lang="en-US" altLang="zh-TW" dirty="0" smtClean="0"/>
+              <a:t>(243569/341571))</a:t>
+            </a:r>
+          </a:p>
+        </p:txBody>
+      </p:sp>
+      <p:pic>
+        <p:nvPicPr>
+          <p:cNvPr id="5" name="圖片 4"/>
+          <p:cNvPicPr>
+            <a:picLocks noChangeAspect="1"/>
+          </p:cNvPicPr>
+          <p:nvPr/>
+        </p:nvPicPr>
+        <p:blipFill>
+          <a:blip r:embed="rId2"/>
+          <a:stretch>
+            <a:fillRect/>
+          </a:stretch>
+        </p:blipFill>
+        <p:spPr>
+          <a:xfrm>
+            <a:off x="1539409" y="2907849"/>
+            <a:ext cx="6827183" cy="3113439"/>
+          </a:xfrm>
+          <a:prstGeom prst="rect">
+            <a:avLst/>
+          </a:prstGeom>
+        </p:spPr>
+      </p:pic>
+    </p:spTree>
+    <p:extLst>
+      <p:ext uri="{BB962C8B-B14F-4D97-AF65-F5344CB8AC3E}">
+        <p14:creationId xmlns:p14="http://schemas.microsoft.com/office/powerpoint/2010/main" val="159344759"/>
+      </p:ext>
+    </p:extLst>
+  </p:cSld>
+  <p:clrMapOvr>
+    <a:masterClrMapping/>
+  </p:clrMapOvr>
+</p:sld>
+</file>
+
+<file path=ppt/slides/slide9.xml><?xml version="1.0" encoding="utf-8"?>
+<p:sld xmlns:a="http://schemas.openxmlformats.org/drawingml/2006/main" xmlns:r="http://schemas.openxmlformats.org/officeDocument/2006/relationships" xmlns:p="http://schemas.openxmlformats.org/presentationml/2006/main">
+  <p:cSld>
+    <p:spTree>
+      <p:nvGrpSpPr>
+        <p:cNvPr id="1" name=""/>
+        <p:cNvGrpSpPr/>
+        <p:nvPr/>
+      </p:nvGrpSpPr>
+      <p:grpSpPr>
+        <a:xfrm>
+          <a:off x="0" y="0"/>
+          <a:ext cx="0" cy="0"/>
+          <a:chOff x="0" y="0"/>
+          <a:chExt cx="0" cy="0"/>
+        </a:xfrm>
+      </p:grpSpPr>
+      <p:sp>
+        <p:nvSpPr>
+          <p:cNvPr id="2" name="投影片編號版面配置區 1"/>
+          <p:cNvSpPr>
+            <a:spLocks noGrp="1"/>
+          </p:cNvSpPr>
+          <p:nvPr>
+            <p:ph type="sldNum" sz="quarter" idx="12"/>
+          </p:nvPr>
+        </p:nvSpPr>
+        <p:spPr/>
+        <p:txBody>
+          <a:bodyPr/>
+          <a:lstStyle/>
+          <a:p>
+            <a:fld id="{E28562E0-AE09-4D11-92BC-5850C0B2AD0D}" type="slidenum">
+              <a:rPr lang="zh-TW" altLang="en-US" smtClean="0"/>
+              <a:t>8</a:t>
+            </a:fld>
+            <a:endParaRPr lang="zh-TW" altLang="en-US"/>
+          </a:p>
+        </p:txBody>
+      </p:sp>
+      <p:sp>
+        <p:nvSpPr>
+          <p:cNvPr id="12" name="標題 11"/>
+          <p:cNvSpPr>
+            <a:spLocks noGrp="1"/>
+          </p:cNvSpPr>
+          <p:nvPr>
+            <p:ph type="title"/>
+          </p:nvPr>
+        </p:nvSpPr>
+        <p:spPr/>
+        <p:txBody>
+          <a:bodyPr/>
+          <a:lstStyle/>
+          <a:p>
+            <a:r>
+              <a:rPr lang="zh-TW" altLang="en-US" dirty="0"/>
+              <a:t>模型衡量指標</a:t>
+            </a:r>
+          </a:p>
+        </p:txBody>
+      </p:sp>
+      <p:sp>
+        <p:nvSpPr>
+          <p:cNvPr id="15" name="文字方塊 14"/>
+          <p:cNvSpPr txBox="1"/>
+          <p:nvPr/>
+        </p:nvSpPr>
+        <p:spPr>
+          <a:xfrm>
+            <a:off x="1587936" y="5795972"/>
+            <a:ext cx="1800493" cy="369332"/>
+          </a:xfrm>
+          <a:prstGeom prst="rect">
+            <a:avLst/>
+          </a:prstGeom>
+          <a:noFill/>
+        </p:spPr>
+        <p:txBody>
+          <a:bodyPr wrap="none" rtlCol="0">
+            <a:spAutoFit/>
+          </a:bodyPr>
+          <a:lstStyle/>
+          <a:p>
+            <a:r>
+              <a:rPr lang="zh-TW" altLang="en-US" b="1" u="sng" dirty="0" smtClean="0">
+                <a:solidFill>
+                  <a:schemeClr val="tx1">
+                    <a:lumMod val="75000"/>
+                  </a:schemeClr>
+                </a:solidFill>
+              </a:rPr>
+              <a:t>特徵重要性排</a:t>
+            </a:r>
+            <a:r>
+              <a:rPr lang="zh-TW" altLang="en-US" b="1" u="sng" dirty="0">
+                <a:solidFill>
+                  <a:schemeClr val="tx1">
+                    <a:lumMod val="75000"/>
+                  </a:schemeClr>
+                </a:solidFill>
+              </a:rPr>
+              <a:t>序</a:t>
+            </a:r>
+            <a:endParaRPr lang="zh-TW" altLang="en-US" b="1" u="sng" dirty="0" smtClean="0">
+              <a:solidFill>
+                <a:schemeClr val="tx1">
+                  <a:lumMod val="75000"/>
+                </a:schemeClr>
+              </a:solidFill>
+            </a:endParaRPr>
+          </a:p>
+        </p:txBody>
+      </p:sp>
+      <p:sp>
+        <p:nvSpPr>
+          <p:cNvPr id="17" name="矩形 16"/>
+          <p:cNvSpPr/>
+          <p:nvPr/>
+        </p:nvSpPr>
+        <p:spPr>
+          <a:xfrm>
+            <a:off x="4743772" y="1321504"/>
+            <a:ext cx="4961756" cy="1872208"/>
+          </a:xfrm>
+          <a:prstGeom prst="rect">
+            <a:avLst/>
+          </a:prstGeom>
+          <a:noFill/>
+          <a:ln w="19050">
+            <a:solidFill>
+              <a:schemeClr val="tx1"/>
+            </a:solidFill>
+          </a:ln>
+        </p:spPr>
+        <p:style>
+          <a:lnRef idx="2">
+            <a:schemeClr val="accent5"/>
+          </a:lnRef>
+          <a:fillRef idx="1">
+            <a:schemeClr val="lt1"/>
+          </a:fillRef>
+          <a:effectRef idx="0">
+            <a:schemeClr val="accent5"/>
+          </a:effectRef>
+          <a:fontRef idx="minor">
+            <a:schemeClr val="dk1"/>
+          </a:fontRef>
+        </p:style>
+        <p:txBody>
+          <a:bodyPr rtlCol="0" anchor="ctr"/>
+          <a:lstStyle/>
+          <a:p>
+            <a:pPr marL="285750" indent="-285750">
+              <a:buFont typeface="Wingdings" panose="05000000000000000000" pitchFamily="2" charset="2"/>
+              <a:buChar char="Ø"/>
+            </a:pPr>
+            <a:r>
+              <a:rPr lang="zh-TW" altLang="en-US" b="1" dirty="0"/>
+              <a:t>針對</a:t>
+            </a:r>
+            <a:r>
+              <a:rPr lang="zh-TW" altLang="en-US" b="1" dirty="0" smtClean="0">
+                <a:solidFill>
+                  <a:srgbClr val="FF0000"/>
+                </a:solidFill>
+              </a:rPr>
+              <a:t>異常</a:t>
+            </a:r>
+            <a:r>
+              <a:rPr lang="zh-TW" altLang="en-US" b="1" dirty="0" smtClean="0"/>
+              <a:t>召回</a:t>
+            </a:r>
+            <a:r>
+              <a:rPr lang="zh-TW" altLang="en-US" b="1" dirty="0"/>
+              <a:t>率</a:t>
+            </a:r>
+            <a:r>
+              <a:rPr lang="zh-TW" altLang="en-US" b="1" dirty="0" smtClean="0"/>
+              <a:t>為</a:t>
+            </a:r>
+            <a:r>
+              <a:rPr lang="en-US" altLang="zh-TW" b="1" dirty="0" smtClean="0">
+                <a:solidFill>
+                  <a:srgbClr val="FF0000"/>
+                </a:solidFill>
+              </a:rPr>
+              <a:t>95</a:t>
+            </a:r>
+            <a:r>
+              <a:rPr lang="en-US" altLang="zh-TW" b="1" dirty="0" smtClean="0">
+                <a:solidFill>
+                  <a:srgbClr val="FF0000"/>
+                </a:solidFill>
+              </a:rPr>
+              <a:t>%</a:t>
+            </a:r>
+            <a:r>
+              <a:rPr lang="zh-TW" altLang="en-US" b="1" dirty="0" smtClean="0">
+                <a:solidFill>
+                  <a:schemeClr val="tx1"/>
+                </a:solidFill>
+              </a:rPr>
+              <a:t>，達成預期規劃指標</a:t>
+            </a:r>
+            <a:endParaRPr lang="en-US" altLang="zh-TW" b="1" dirty="0" smtClean="0">
+              <a:solidFill>
+                <a:schemeClr val="tx1"/>
+              </a:solidFill>
+            </a:endParaRPr>
+          </a:p>
+          <a:p>
+            <a:pPr marL="285750" indent="-285750">
+              <a:buFont typeface="Wingdings" panose="05000000000000000000" pitchFamily="2" charset="2"/>
+              <a:buChar char="Ø"/>
+            </a:pPr>
+            <a:r>
+              <a:rPr lang="zh-TW" altLang="en-US" b="1" dirty="0" smtClean="0">
+                <a:solidFill>
+                  <a:schemeClr val="tx1"/>
+                </a:solidFill>
+              </a:rPr>
+              <a:t>主要影響塑膠地磚厚度品質的肇因與影響佔比分為</a:t>
+            </a:r>
+            <a:endParaRPr lang="en-US" altLang="zh-TW" b="1" dirty="0" smtClean="0">
+              <a:solidFill>
+                <a:schemeClr val="tx1"/>
+              </a:solidFill>
+            </a:endParaRPr>
+          </a:p>
+          <a:p>
+            <a:pPr marL="742950" lvl="1" indent="-285750">
+              <a:buFont typeface="Arial" panose="020B0604020202020204" pitchFamily="34" charset="0"/>
+              <a:buChar char="•"/>
+            </a:pPr>
+            <a:r>
+              <a:rPr lang="zh-TW" altLang="en-US" b="1" dirty="0" smtClean="0">
+                <a:solidFill>
+                  <a:srgbClr val="FF0000"/>
+                </a:solidFill>
+              </a:rPr>
+              <a:t>滾筒溫度</a:t>
+            </a:r>
+            <a:r>
+              <a:rPr lang="en-US" altLang="zh-TW" b="1" dirty="0" smtClean="0">
+                <a:solidFill>
+                  <a:schemeClr val="tx1"/>
+                </a:solidFill>
+              </a:rPr>
+              <a:t>(15.5%)</a:t>
+            </a:r>
+            <a:endParaRPr lang="en-US" altLang="zh-TW" b="1" dirty="0">
+              <a:solidFill>
+                <a:schemeClr val="tx1"/>
+              </a:solidFill>
+            </a:endParaRPr>
+          </a:p>
+          <a:p>
+            <a:pPr marL="742950" lvl="1" indent="-285750">
+              <a:buFont typeface="Arial" panose="020B0604020202020204" pitchFamily="34" charset="0"/>
+              <a:buChar char="•"/>
+            </a:pPr>
+            <a:r>
+              <a:rPr lang="zh-TW" altLang="en-US" b="1" dirty="0" smtClean="0">
+                <a:solidFill>
+                  <a:srgbClr val="FF0000"/>
+                </a:solidFill>
+              </a:rPr>
+              <a:t>材料</a:t>
+            </a:r>
+            <a:r>
+              <a:rPr lang="zh-TW" altLang="en-US" b="1" dirty="0">
+                <a:solidFill>
+                  <a:srgbClr val="FF0000"/>
+                </a:solidFill>
+              </a:rPr>
+              <a:t>溫度</a:t>
+            </a:r>
+            <a:r>
+              <a:rPr lang="en-US" altLang="zh-TW" b="1" dirty="0" smtClean="0">
+                <a:solidFill>
+                  <a:schemeClr val="tx1"/>
+                </a:solidFill>
+              </a:rPr>
+              <a:t>(</a:t>
+            </a:r>
+            <a:r>
+              <a:rPr lang="en-US" altLang="zh-TW" b="1" dirty="0" smtClean="0">
+                <a:solidFill>
+                  <a:schemeClr val="tx1"/>
+                </a:solidFill>
+              </a:rPr>
+              <a:t>13.5%)</a:t>
+            </a:r>
+            <a:endParaRPr lang="zh-TW" altLang="en-US" b="1" dirty="0">
+              <a:solidFill>
+                <a:srgbClr val="FF0000"/>
+              </a:solidFill>
+            </a:endParaRPr>
+          </a:p>
+        </p:txBody>
+      </p:sp>
+      <p:pic>
+        <p:nvPicPr>
+          <p:cNvPr id="3" name="圖片 2"/>
+          <p:cNvPicPr>
+            <a:picLocks noChangeAspect="1"/>
+          </p:cNvPicPr>
+          <p:nvPr/>
+        </p:nvPicPr>
+        <p:blipFill>
+          <a:blip r:embed="rId2"/>
+          <a:stretch>
+            <a:fillRect/>
+          </a:stretch>
+        </p:blipFill>
+        <p:spPr>
+          <a:xfrm>
+            <a:off x="387919" y="996485"/>
+            <a:ext cx="4200525" cy="4752975"/>
+          </a:xfrm>
+          <a:prstGeom prst="rect">
+            <a:avLst/>
+          </a:prstGeom>
+        </p:spPr>
+      </p:pic>
+      <p:sp>
+        <p:nvSpPr>
+          <p:cNvPr id="4" name="文字方塊 3"/>
+          <p:cNvSpPr txBox="1"/>
+          <p:nvPr/>
+        </p:nvSpPr>
+        <p:spPr>
+          <a:xfrm>
+            <a:off x="10497616" y="1993383"/>
+            <a:ext cx="4517225" cy="1200329"/>
+          </a:xfrm>
+          <a:prstGeom prst="rect">
+            <a:avLst/>
+          </a:prstGeom>
+          <a:noFill/>
+        </p:spPr>
+        <p:txBody>
+          <a:bodyPr wrap="square" rtlCol="0">
+            <a:spAutoFit/>
+          </a:bodyPr>
+          <a:lstStyle/>
+          <a:p>
+            <a:r>
+              <a:rPr lang="zh-TW" altLang="en-US" dirty="0" smtClean="0">
+                <a:solidFill>
+                  <a:schemeClr val="tx1">
+                    <a:lumMod val="75000"/>
+                  </a:schemeClr>
+                </a:solidFill>
+              </a:rPr>
+              <a:t>額</a:t>
+            </a:r>
+            <a:r>
+              <a:rPr lang="zh-TW" altLang="en-US" dirty="0">
+                <a:solidFill>
+                  <a:schemeClr val="tx1">
+                    <a:lumMod val="75000"/>
+                  </a:schemeClr>
+                </a:solidFill>
+              </a:rPr>
+              <a:t>外</a:t>
+            </a:r>
+            <a:r>
+              <a:rPr lang="zh-TW" altLang="en-US" dirty="0" smtClean="0">
+                <a:solidFill>
+                  <a:schemeClr val="tx1">
+                    <a:lumMod val="75000"/>
+                  </a:schemeClr>
+                </a:solidFill>
+              </a:rPr>
+              <a:t>樹原理：</a:t>
+            </a:r>
+            <a:endParaRPr lang="en-US" altLang="zh-TW" dirty="0" smtClean="0">
+              <a:solidFill>
+                <a:schemeClr val="tx1">
+                  <a:lumMod val="75000"/>
+                </a:schemeClr>
+              </a:solidFill>
+            </a:endParaRPr>
+          </a:p>
+          <a:p>
+            <a:r>
+              <a:rPr lang="zh-TW" altLang="en-US" dirty="0" smtClean="0">
+                <a:solidFill>
+                  <a:schemeClr val="tx1">
+                    <a:lumMod val="75000"/>
+                  </a:schemeClr>
+                </a:solidFill>
+              </a:rPr>
+              <a:t>創建一估計器，它會在數據集的各種子樣本擬合</a:t>
+            </a:r>
+            <a:r>
+              <a:rPr lang="zh-TW" altLang="en-US" u="sng" dirty="0" smtClean="0">
+                <a:solidFill>
+                  <a:schemeClr val="tx1">
+                    <a:lumMod val="75000"/>
+                  </a:schemeClr>
+                </a:solidFill>
+              </a:rPr>
+              <a:t>隨機決策樹</a:t>
+            </a:r>
+            <a:r>
+              <a:rPr lang="en-US" altLang="zh-TW" dirty="0" smtClean="0">
+                <a:solidFill>
+                  <a:schemeClr val="tx1">
+                    <a:lumMod val="75000"/>
+                  </a:schemeClr>
+                </a:solidFill>
+              </a:rPr>
+              <a:t>(</a:t>
+            </a:r>
+            <a:r>
+              <a:rPr lang="zh-TW" altLang="en-US" dirty="0" smtClean="0">
+                <a:solidFill>
+                  <a:schemeClr val="tx1">
+                    <a:lumMod val="75000"/>
+                  </a:schemeClr>
+                </a:solidFill>
+              </a:rPr>
+              <a:t>也稱額外樹</a:t>
+            </a:r>
+            <a:r>
+              <a:rPr lang="en-US" altLang="zh-TW" dirty="0" smtClean="0">
+                <a:solidFill>
+                  <a:schemeClr val="tx1">
+                    <a:lumMod val="75000"/>
+                  </a:schemeClr>
+                </a:solidFill>
+              </a:rPr>
+              <a:t>)</a:t>
+            </a:r>
+            <a:r>
+              <a:rPr lang="zh-TW" altLang="en-US" dirty="0" smtClean="0">
+                <a:solidFill>
+                  <a:schemeClr val="tx1">
+                    <a:lumMod val="75000"/>
+                  </a:schemeClr>
+                </a:solidFill>
+              </a:rPr>
+              <a:t>，並使用平均來提高預測準確性與控制過擬合的情況。</a:t>
+            </a:r>
+            <a:endParaRPr lang="zh-TW" altLang="en-US" dirty="0" smtClean="0">
+              <a:solidFill>
+                <a:schemeClr val="tx1">
+                  <a:lumMod val="75000"/>
+                </a:schemeClr>
+              </a:solidFill>
+            </a:endParaRPr>
+          </a:p>
+        </p:txBody>
+      </p:sp>
+    </p:spTree>
+    <p:extLst>
+      <p:ext uri="{BB962C8B-B14F-4D97-AF65-F5344CB8AC3E}">
+        <p14:creationId xmlns:p14="http://schemas.microsoft.com/office/powerpoint/2010/main" val="2876602335"/>
       </p:ext>
     </p:extLst>
   </p:cSld>
